--- a/Supplementary_Material/Workflow_WHONDRS_figure_v2.pptx
+++ b/Supplementary_Material/Workflow_WHONDRS_figure_v2.pptx
@@ -198,7 +198,7 @@
           <a:p>
             <a:fld id="{EDE9ABCB-78C9-4B07-8747-C9E2C7C2EDDF}" type="datetimeFigureOut">
               <a:rPr lang="en-GB" smtClean="0"/>
-              <a:t>23/05/2024</a:t>
+              <a:t>29/05/2024</a:t>
             </a:fld>
             <a:endParaRPr lang="en-GB"/>
           </a:p>
@@ -701,7 +701,7 @@
           <a:p>
             <a:fld id="{428B5836-9C57-3648-B257-2FB375CBAE77}" type="datetimeFigureOut">
               <a:rPr lang="en-US" smtClean="0"/>
-              <a:t>5/23/2024</a:t>
+              <a:t>5/29/24</a:t>
             </a:fld>
             <a:endParaRPr lang="en-US"/>
           </a:p>
@@ -899,7 +899,7 @@
           <a:p>
             <a:fld id="{428B5836-9C57-3648-B257-2FB375CBAE77}" type="datetimeFigureOut">
               <a:rPr lang="en-US" smtClean="0"/>
-              <a:t>5/23/2024</a:t>
+              <a:t>5/29/24</a:t>
             </a:fld>
             <a:endParaRPr lang="en-US"/>
           </a:p>
@@ -1107,7 +1107,7 @@
           <a:p>
             <a:fld id="{428B5836-9C57-3648-B257-2FB375CBAE77}" type="datetimeFigureOut">
               <a:rPr lang="en-US" smtClean="0"/>
-              <a:t>5/23/2024</a:t>
+              <a:t>5/29/24</a:t>
             </a:fld>
             <a:endParaRPr lang="en-US"/>
           </a:p>
@@ -1305,7 +1305,7 @@
           <a:p>
             <a:fld id="{428B5836-9C57-3648-B257-2FB375CBAE77}" type="datetimeFigureOut">
               <a:rPr lang="en-US" smtClean="0"/>
-              <a:t>5/23/2024</a:t>
+              <a:t>5/29/24</a:t>
             </a:fld>
             <a:endParaRPr lang="en-US"/>
           </a:p>
@@ -1580,7 +1580,7 @@
           <a:p>
             <a:fld id="{428B5836-9C57-3648-B257-2FB375CBAE77}" type="datetimeFigureOut">
               <a:rPr lang="en-US" smtClean="0"/>
-              <a:t>5/23/2024</a:t>
+              <a:t>5/29/24</a:t>
             </a:fld>
             <a:endParaRPr lang="en-US"/>
           </a:p>
@@ -1845,7 +1845,7 @@
           <a:p>
             <a:fld id="{428B5836-9C57-3648-B257-2FB375CBAE77}" type="datetimeFigureOut">
               <a:rPr lang="en-US" smtClean="0"/>
-              <a:t>5/23/2024</a:t>
+              <a:t>5/29/24</a:t>
             </a:fld>
             <a:endParaRPr lang="en-US"/>
           </a:p>
@@ -2257,7 +2257,7 @@
           <a:p>
             <a:fld id="{428B5836-9C57-3648-B257-2FB375CBAE77}" type="datetimeFigureOut">
               <a:rPr lang="en-US" smtClean="0"/>
-              <a:t>5/23/2024</a:t>
+              <a:t>5/29/24</a:t>
             </a:fld>
             <a:endParaRPr lang="en-US"/>
           </a:p>
@@ -2398,7 +2398,7 @@
           <a:p>
             <a:fld id="{428B5836-9C57-3648-B257-2FB375CBAE77}" type="datetimeFigureOut">
               <a:rPr lang="en-US" smtClean="0"/>
-              <a:t>5/23/2024</a:t>
+              <a:t>5/29/24</a:t>
             </a:fld>
             <a:endParaRPr lang="en-US"/>
           </a:p>
@@ -2511,7 +2511,7 @@
           <a:p>
             <a:fld id="{428B5836-9C57-3648-B257-2FB375CBAE77}" type="datetimeFigureOut">
               <a:rPr lang="en-US" smtClean="0"/>
-              <a:t>5/23/2024</a:t>
+              <a:t>5/29/24</a:t>
             </a:fld>
             <a:endParaRPr lang="en-US"/>
           </a:p>
@@ -2822,7 +2822,7 @@
           <a:p>
             <a:fld id="{428B5836-9C57-3648-B257-2FB375CBAE77}" type="datetimeFigureOut">
               <a:rPr lang="en-US" smtClean="0"/>
-              <a:t>5/23/2024</a:t>
+              <a:t>5/29/24</a:t>
             </a:fld>
             <a:endParaRPr lang="en-US"/>
           </a:p>
@@ -3110,7 +3110,7 @@
           <a:p>
             <a:fld id="{428B5836-9C57-3648-B257-2FB375CBAE77}" type="datetimeFigureOut">
               <a:rPr lang="en-US" smtClean="0"/>
-              <a:t>5/23/2024</a:t>
+              <a:t>5/29/24</a:t>
             </a:fld>
             <a:endParaRPr lang="en-US"/>
           </a:p>
@@ -3351,7 +3351,7 @@
           <a:p>
             <a:fld id="{428B5836-9C57-3648-B257-2FB375CBAE77}" type="datetimeFigureOut">
               <a:rPr lang="en-US" smtClean="0"/>
-              <a:t>5/23/2024</a:t>
+              <a:t>5/29/24</a:t>
             </a:fld>
             <a:endParaRPr lang="en-US"/>
           </a:p>
@@ -3917,7 +3917,7 @@
         </p:nvSpPr>
         <p:spPr>
           <a:xfrm>
-            <a:off x="2388118" y="4540910"/>
+            <a:off x="4840217" y="4446317"/>
             <a:ext cx="3490978" cy="923330"/>
           </a:xfrm>
           <a:prstGeom prst="rect">
@@ -3968,7 +3968,7 @@
         </p:nvSpPr>
         <p:spPr>
           <a:xfrm>
-            <a:off x="2311689" y="174660"/>
+            <a:off x="4763788" y="80067"/>
             <a:ext cx="3490978" cy="539580"/>
           </a:xfrm>
           <a:prstGeom prst="rect">
@@ -4004,7 +4004,7 @@
         </p:nvSpPr>
         <p:spPr>
           <a:xfrm>
-            <a:off x="2371233" y="2114061"/>
+            <a:off x="4823332" y="2019468"/>
             <a:ext cx="3490978" cy="539580"/>
           </a:xfrm>
           <a:prstGeom prst="rect">
@@ -4049,7 +4049,7 @@
         </p:nvSpPr>
         <p:spPr>
           <a:xfrm>
-            <a:off x="5741643" y="548336"/>
+            <a:off x="8193742" y="453743"/>
             <a:ext cx="504038" cy="1619944"/>
           </a:xfrm>
           <a:prstGeom prst="curvedLeftArrow">
@@ -4099,7 +4099,7 @@
         </p:nvSpPr>
         <p:spPr>
           <a:xfrm>
-            <a:off x="6248923" y="1771699"/>
+            <a:off x="8701022" y="1677106"/>
             <a:ext cx="3490978" cy="539580"/>
           </a:xfrm>
           <a:prstGeom prst="rect">
@@ -4148,7 +4148,7 @@
         </p:blipFill>
         <p:spPr>
           <a:xfrm rot="5400000">
-            <a:off x="3956856" y="449110"/>
+            <a:off x="6408955" y="354517"/>
             <a:ext cx="1335763" cy="1930079"/>
           </a:xfrm>
           <a:prstGeom prst="rect">
@@ -4177,7 +4177,7 @@
         </p:blipFill>
         <p:spPr>
           <a:xfrm rot="5400000">
-            <a:off x="4113570" y="2227357"/>
+            <a:off x="6565669" y="2132764"/>
             <a:ext cx="993274" cy="1930081"/>
           </a:xfrm>
           <a:prstGeom prst="rect">
@@ -4206,7 +4206,7 @@
         </p:blipFill>
         <p:spPr>
           <a:xfrm rot="5400000">
-            <a:off x="4144031" y="3196414"/>
+            <a:off x="6596130" y="3101821"/>
             <a:ext cx="903292" cy="1930082"/>
           </a:xfrm>
           <a:prstGeom prst="rect">
@@ -4228,7 +4228,7 @@
         </p:nvSpPr>
         <p:spPr>
           <a:xfrm>
-            <a:off x="5702793" y="2537424"/>
+            <a:off x="8154892" y="2442831"/>
             <a:ext cx="788802" cy="2363293"/>
           </a:xfrm>
           <a:prstGeom prst="curvedLeftArrow">
@@ -4278,7 +4278,7 @@
         </p:nvSpPr>
         <p:spPr>
           <a:xfrm>
-            <a:off x="6248923" y="4540910"/>
+            <a:off x="8701022" y="4446317"/>
             <a:ext cx="3490978" cy="539580"/>
           </a:xfrm>
           <a:prstGeom prst="rect">
@@ -4313,7 +4313,7 @@
         </p:nvSpPr>
         <p:spPr>
           <a:xfrm>
-            <a:off x="5898966" y="5089811"/>
+            <a:off x="8351065" y="4995218"/>
             <a:ext cx="538894" cy="1711027"/>
           </a:xfrm>
           <a:prstGeom prst="curvedLeftArrow">
@@ -4363,7 +4363,7 @@
         </p:nvSpPr>
         <p:spPr>
           <a:xfrm>
-            <a:off x="2312252" y="5912511"/>
+            <a:off x="4764351" y="5817918"/>
             <a:ext cx="3490978" cy="1200329"/>
           </a:xfrm>
           <a:prstGeom prst="rect">
@@ -4400,6 +4400,96 @@
           </a:p>
         </p:txBody>
       </p:sp>
+      <p:pic>
+        <p:nvPicPr>
+          <p:cNvPr id="3" name="Picture 2" descr="A screenshot of a graph&#10;&#10;Description automatically generated">
+            <a:extLst>
+              <a:ext uri="{FF2B5EF4-FFF2-40B4-BE49-F238E27FC236}">
+                <a16:creationId xmlns:a16="http://schemas.microsoft.com/office/drawing/2014/main" id="{E67683C0-F246-682B-C227-9E7A5CEABA33}"/>
+              </a:ext>
+            </a:extLst>
+          </p:cNvPr>
+          <p:cNvPicPr>
+            <a:picLocks noChangeAspect="1"/>
+          </p:cNvPicPr>
+          <p:nvPr/>
+        </p:nvPicPr>
+        <p:blipFill>
+          <a:blip r:embed="rId4"/>
+          <a:stretch>
+            <a:fillRect/>
+          </a:stretch>
+        </p:blipFill>
+        <p:spPr>
+          <a:xfrm>
+            <a:off x="2307572" y="1367547"/>
+            <a:ext cx="2620053" cy="2383001"/>
+          </a:xfrm>
+          <a:prstGeom prst="rect">
+            <a:avLst/>
+          </a:prstGeom>
+        </p:spPr>
+      </p:pic>
+      <p:pic>
+        <p:nvPicPr>
+          <p:cNvPr id="4" name="Picture 3" descr="A graph of different colored lines&#10;&#10;Description automatically generated with medium confidence">
+            <a:extLst>
+              <a:ext uri="{FF2B5EF4-FFF2-40B4-BE49-F238E27FC236}">
+                <a16:creationId xmlns:a16="http://schemas.microsoft.com/office/drawing/2014/main" id="{86C9F526-880E-5B0D-85A4-154A0BE9056A}"/>
+              </a:ext>
+            </a:extLst>
+          </p:cNvPr>
+          <p:cNvPicPr>
+            <a:picLocks noChangeAspect="1"/>
+          </p:cNvPicPr>
+          <p:nvPr/>
+        </p:nvPicPr>
+        <p:blipFill>
+          <a:blip r:embed="rId5"/>
+          <a:stretch>
+            <a:fillRect/>
+          </a:stretch>
+        </p:blipFill>
+        <p:spPr>
+          <a:xfrm>
+            <a:off x="3056716" y="5426962"/>
+            <a:ext cx="1242016" cy="1354927"/>
+          </a:xfrm>
+          <a:prstGeom prst="rect">
+            <a:avLst/>
+          </a:prstGeom>
+        </p:spPr>
+      </p:pic>
+      <p:pic>
+        <p:nvPicPr>
+          <p:cNvPr id="7" name="Picture 6" descr="A diagram of a compound scaling&#10;&#10;Description automatically generated">
+            <a:extLst>
+              <a:ext uri="{FF2B5EF4-FFF2-40B4-BE49-F238E27FC236}">
+                <a16:creationId xmlns:a16="http://schemas.microsoft.com/office/drawing/2014/main" id="{8B02F642-A2F4-90F1-E228-E66FE9455B4B}"/>
+              </a:ext>
+            </a:extLst>
+          </p:cNvPr>
+          <p:cNvPicPr>
+            <a:picLocks noChangeAspect="1"/>
+          </p:cNvPicPr>
+          <p:nvPr/>
+        </p:nvPicPr>
+        <p:blipFill>
+          <a:blip r:embed="rId6"/>
+          <a:stretch>
+            <a:fillRect/>
+          </a:stretch>
+        </p:blipFill>
+        <p:spPr>
+          <a:xfrm>
+            <a:off x="2965134" y="3929592"/>
+            <a:ext cx="1690170" cy="1440055"/>
+          </a:xfrm>
+          <a:prstGeom prst="rect">
+            <a:avLst/>
+          </a:prstGeom>
+        </p:spPr>
+      </p:pic>
     </p:spTree>
     <p:extLst>
       <p:ext uri="{BB962C8B-B14F-4D97-AF65-F5344CB8AC3E}">
